--- a/monthly_allocation_high_level.pptx
+++ b/monthly_allocation_high_level.pptx
@@ -288,7 +288,8 @@
           <a:p>
             <a:fld id="{E719F7A9-40D8-4724-9FB1-50A0F109325C}" type="datetimeFigureOut">
               <a:rPr lang="en-US" smtClean="0"/>
-              <a:t>5/12/2016</a:t>
+              <a:pPr/>
+              <a:t>7/17/2016</a:t>
             </a:fld>
             <a:endParaRPr lang="en-US"/>
           </a:p>
@@ -330,6 +331,7 @@
           <a:p>
             <a:fld id="{91A633A2-9CC3-4A43-8FDE-EB31604A1907}" type="slidenum">
               <a:rPr lang="en-US" smtClean="0"/>
+              <a:pPr/>
               <a:t>‹#›</a:t>
             </a:fld>
             <a:endParaRPr lang="en-US"/>
@@ -453,7 +455,8 @@
           <a:p>
             <a:fld id="{E719F7A9-40D8-4724-9FB1-50A0F109325C}" type="datetimeFigureOut">
               <a:rPr lang="en-US" smtClean="0"/>
-              <a:t>5/12/2016</a:t>
+              <a:pPr/>
+              <a:t>7/17/2016</a:t>
             </a:fld>
             <a:endParaRPr lang="en-US"/>
           </a:p>
@@ -495,6 +498,7 @@
           <a:p>
             <a:fld id="{91A633A2-9CC3-4A43-8FDE-EB31604A1907}" type="slidenum">
               <a:rPr lang="en-US" smtClean="0"/>
+              <a:pPr/>
               <a:t>‹#›</a:t>
             </a:fld>
             <a:endParaRPr lang="en-US"/>
@@ -628,7 +632,8 @@
           <a:p>
             <a:fld id="{E719F7A9-40D8-4724-9FB1-50A0F109325C}" type="datetimeFigureOut">
               <a:rPr lang="en-US" smtClean="0"/>
-              <a:t>5/12/2016</a:t>
+              <a:pPr/>
+              <a:t>7/17/2016</a:t>
             </a:fld>
             <a:endParaRPr lang="en-US"/>
           </a:p>
@@ -670,6 +675,7 @@
           <a:p>
             <a:fld id="{91A633A2-9CC3-4A43-8FDE-EB31604A1907}" type="slidenum">
               <a:rPr lang="en-US" smtClean="0"/>
+              <a:pPr/>
               <a:t>‹#›</a:t>
             </a:fld>
             <a:endParaRPr lang="en-US"/>
@@ -793,7 +799,8 @@
           <a:p>
             <a:fld id="{E719F7A9-40D8-4724-9FB1-50A0F109325C}" type="datetimeFigureOut">
               <a:rPr lang="en-US" smtClean="0"/>
-              <a:t>5/12/2016</a:t>
+              <a:pPr/>
+              <a:t>7/17/2016</a:t>
             </a:fld>
             <a:endParaRPr lang="en-US"/>
           </a:p>
@@ -835,6 +842,7 @@
           <a:p>
             <a:fld id="{91A633A2-9CC3-4A43-8FDE-EB31604A1907}" type="slidenum">
               <a:rPr lang="en-US" smtClean="0"/>
+              <a:pPr/>
               <a:t>‹#›</a:t>
             </a:fld>
             <a:endParaRPr lang="en-US"/>
@@ -1034,7 +1042,8 @@
           <a:p>
             <a:fld id="{E719F7A9-40D8-4724-9FB1-50A0F109325C}" type="datetimeFigureOut">
               <a:rPr lang="en-US" smtClean="0"/>
-              <a:t>5/12/2016</a:t>
+              <a:pPr/>
+              <a:t>7/17/2016</a:t>
             </a:fld>
             <a:endParaRPr lang="en-US"/>
           </a:p>
@@ -1076,6 +1085,7 @@
           <a:p>
             <a:fld id="{91A633A2-9CC3-4A43-8FDE-EB31604A1907}" type="slidenum">
               <a:rPr lang="en-US" smtClean="0"/>
+              <a:pPr/>
               <a:t>‹#›</a:t>
             </a:fld>
             <a:endParaRPr lang="en-US"/>
@@ -1317,7 +1327,8 @@
           <a:p>
             <a:fld id="{E719F7A9-40D8-4724-9FB1-50A0F109325C}" type="datetimeFigureOut">
               <a:rPr lang="en-US" smtClean="0"/>
-              <a:t>5/12/2016</a:t>
+              <a:pPr/>
+              <a:t>7/17/2016</a:t>
             </a:fld>
             <a:endParaRPr lang="en-US"/>
           </a:p>
@@ -1359,6 +1370,7 @@
           <a:p>
             <a:fld id="{91A633A2-9CC3-4A43-8FDE-EB31604A1907}" type="slidenum">
               <a:rPr lang="en-US" smtClean="0"/>
+              <a:pPr/>
               <a:t>‹#›</a:t>
             </a:fld>
             <a:endParaRPr lang="en-US"/>
@@ -1734,7 +1746,8 @@
           <a:p>
             <a:fld id="{E719F7A9-40D8-4724-9FB1-50A0F109325C}" type="datetimeFigureOut">
               <a:rPr lang="en-US" smtClean="0"/>
-              <a:t>5/12/2016</a:t>
+              <a:pPr/>
+              <a:t>7/17/2016</a:t>
             </a:fld>
             <a:endParaRPr lang="en-US"/>
           </a:p>
@@ -1776,6 +1789,7 @@
           <a:p>
             <a:fld id="{91A633A2-9CC3-4A43-8FDE-EB31604A1907}" type="slidenum">
               <a:rPr lang="en-US" smtClean="0"/>
+              <a:pPr/>
               <a:t>‹#›</a:t>
             </a:fld>
             <a:endParaRPr lang="en-US"/>
@@ -1847,7 +1861,8 @@
           <a:p>
             <a:fld id="{E719F7A9-40D8-4724-9FB1-50A0F109325C}" type="datetimeFigureOut">
               <a:rPr lang="en-US" smtClean="0"/>
-              <a:t>5/12/2016</a:t>
+              <a:pPr/>
+              <a:t>7/17/2016</a:t>
             </a:fld>
             <a:endParaRPr lang="en-US"/>
           </a:p>
@@ -1889,6 +1904,7 @@
           <a:p>
             <a:fld id="{91A633A2-9CC3-4A43-8FDE-EB31604A1907}" type="slidenum">
               <a:rPr lang="en-US" smtClean="0"/>
+              <a:pPr/>
               <a:t>‹#›</a:t>
             </a:fld>
             <a:endParaRPr lang="en-US"/>
@@ -1937,7 +1953,8 @@
           <a:p>
             <a:fld id="{E719F7A9-40D8-4724-9FB1-50A0F109325C}" type="datetimeFigureOut">
               <a:rPr lang="en-US" smtClean="0"/>
-              <a:t>5/12/2016</a:t>
+              <a:pPr/>
+              <a:t>7/17/2016</a:t>
             </a:fld>
             <a:endParaRPr lang="en-US"/>
           </a:p>
@@ -1979,6 +1996,7 @@
           <a:p>
             <a:fld id="{91A633A2-9CC3-4A43-8FDE-EB31604A1907}" type="slidenum">
               <a:rPr lang="en-US" smtClean="0"/>
+              <a:pPr/>
               <a:t>‹#›</a:t>
             </a:fld>
             <a:endParaRPr lang="en-US"/>
@@ -2209,7 +2227,8 @@
           <a:p>
             <a:fld id="{E719F7A9-40D8-4724-9FB1-50A0F109325C}" type="datetimeFigureOut">
               <a:rPr lang="en-US" smtClean="0"/>
-              <a:t>5/12/2016</a:t>
+              <a:pPr/>
+              <a:t>7/17/2016</a:t>
             </a:fld>
             <a:endParaRPr lang="en-US"/>
           </a:p>
@@ -2251,6 +2270,7 @@
           <a:p>
             <a:fld id="{91A633A2-9CC3-4A43-8FDE-EB31604A1907}" type="slidenum">
               <a:rPr lang="en-US" smtClean="0"/>
+              <a:pPr/>
               <a:t>‹#›</a:t>
             </a:fld>
             <a:endParaRPr lang="en-US"/>
@@ -2457,7 +2477,8 @@
           <a:p>
             <a:fld id="{E719F7A9-40D8-4724-9FB1-50A0F109325C}" type="datetimeFigureOut">
               <a:rPr lang="en-US" smtClean="0"/>
-              <a:t>5/12/2016</a:t>
+              <a:pPr/>
+              <a:t>7/17/2016</a:t>
             </a:fld>
             <a:endParaRPr lang="en-US"/>
           </a:p>
@@ -2499,6 +2520,7 @@
           <a:p>
             <a:fld id="{91A633A2-9CC3-4A43-8FDE-EB31604A1907}" type="slidenum">
               <a:rPr lang="en-US" smtClean="0"/>
+              <a:pPr/>
               <a:t>‹#›</a:t>
             </a:fld>
             <a:endParaRPr lang="en-US"/>
@@ -2665,7 +2687,8 @@
           <a:p>
             <a:fld id="{E719F7A9-40D8-4724-9FB1-50A0F109325C}" type="datetimeFigureOut">
               <a:rPr lang="en-US" smtClean="0"/>
-              <a:t>5/12/2016</a:t>
+              <a:pPr/>
+              <a:t>7/17/2016</a:t>
             </a:fld>
             <a:endParaRPr lang="en-US"/>
           </a:p>
@@ -2743,6 +2766,7 @@
           <a:p>
             <a:fld id="{91A633A2-9CC3-4A43-8FDE-EB31604A1907}" type="slidenum">
               <a:rPr lang="en-US" smtClean="0"/>
+              <a:pPr/>
               <a:t>‹#›</a:t>
             </a:fld>
             <a:endParaRPr lang="en-US"/>
@@ -3887,7 +3911,7 @@
           <p:nvPr/>
         </p:nvSpPr>
         <p:spPr>
-          <a:xfrm>
+          <a:xfrm rot="178084">
             <a:off x="4191000" y="1371600"/>
             <a:ext cx="304800" cy="228600"/>
           </a:xfrm>

--- a/monthly_allocation_high_level.pptx
+++ b/monthly_allocation_high_level.pptx
@@ -3912,7 +3912,7 @@
         </p:nvSpPr>
         <p:spPr>
           <a:xfrm rot="178084">
-            <a:off x="4191000" y="1371600"/>
+            <a:off x="4196714" y="1379338"/>
             <a:ext cx="304800" cy="228600"/>
           </a:xfrm>
           <a:prstGeom prst="ellipse">

--- a/monthly_allocation_high_level.pptx
+++ b/monthly_allocation_high_level.pptx
@@ -3912,8 +3912,8 @@
         </p:nvSpPr>
         <p:spPr>
           <a:xfrm rot="178084">
-            <a:off x="4196714" y="1379338"/>
-            <a:ext cx="304800" cy="228600"/>
+            <a:off x="4194941" y="1303091"/>
+            <a:ext cx="304800" cy="297113"/>
           </a:xfrm>
           <a:prstGeom prst="ellipse">
             <a:avLst/>
